--- a/infografia/EJERCICIO expo.pptx
+++ b/infografia/EJERCICIO expo.pptx
@@ -12,6 +12,8 @@
     <p:sldId id="260" r:id="rId6"/>
     <p:sldId id="261" r:id="rId7"/>
     <p:sldId id="262" r:id="rId8"/>
+    <p:sldId id="263" r:id="rId9"/>
+    <p:sldId id="264" r:id="rId10"/>
   </p:sldIdLst>
   <p:sldSz cx="12192000" cy="6858000"/>
   <p:notesSz cx="6858000" cy="9144000"/>
@@ -110,6 +112,11 @@
       </a:defRPr>
     </a:lvl9pPr>
   </p:defaultTextStyle>
+  <p:extLst>
+    <p:ext uri="{EFAFB233-063F-42B5-8137-9DF3F51BA10A}">
+      <p15:sldGuideLst xmlns:p15="http://schemas.microsoft.com/office/powerpoint/2012/main"/>
+    </p:ext>
+  </p:extLst>
 </p:presentation>
 </file>
 
@@ -679,7 +686,7 @@
           <a:p>
             <a:fld id="{97BFF81C-1FCB-4DBA-8044-F1A0FCFD45A6}" type="datetime1">
               <a:rPr lang="en-US" smtClean="0"/>
-              <a:t>12/6/2020</a:t>
+              <a:t>12/10/2020</a:t>
             </a:fld>
             <a:endParaRPr lang="en-US" dirty="0"/>
           </a:p>
@@ -1358,7 +1365,7 @@
           <a:p>
             <a:fld id="{FB9092B3-2D87-4CDF-B84B-C46E5F5D31F7}" type="datetime1">
               <a:rPr lang="en-US" smtClean="0"/>
-              <a:t>12/6/2020</a:t>
+              <a:t>12/10/2020</a:t>
             </a:fld>
             <a:endParaRPr lang="en-US" dirty="0"/>
           </a:p>
@@ -2047,7 +2054,7 @@
           <a:p>
             <a:fld id="{3D769E57-47B1-47B0-B526-3153E4B1E729}" type="datetime1">
               <a:rPr lang="en-US" smtClean="0"/>
-              <a:t>12/6/2020</a:t>
+              <a:t>12/10/2020</a:t>
             </a:fld>
             <a:endParaRPr lang="en-US" dirty="0"/>
           </a:p>
@@ -2726,7 +2733,7 @@
           <a:p>
             <a:fld id="{5A87773D-8987-489A-A650-3D6F7D5C7C38}" type="datetime1">
               <a:rPr lang="en-US" smtClean="0"/>
-              <a:t>12/6/2020</a:t>
+              <a:t>12/10/2020</a:t>
             </a:fld>
             <a:endParaRPr lang="en-US" dirty="0"/>
           </a:p>
@@ -3481,7 +3488,7 @@
           <a:p>
             <a:fld id="{97E150C1-1D78-4D80-810D-E9E86F6E88AB}" type="datetime1">
               <a:rPr lang="en-US" smtClean="0"/>
-              <a:t>12/6/2020</a:t>
+              <a:t>12/10/2020</a:t>
             </a:fld>
             <a:endParaRPr lang="en-US" dirty="0"/>
           </a:p>
@@ -4228,7 +4235,7 @@
           <a:p>
             <a:fld id="{29E9CBD8-1588-4B6B-B74D-87480DDE94C0}" type="datetime1">
               <a:rPr lang="en-US" smtClean="0"/>
-              <a:t>12/6/2020</a:t>
+              <a:t>12/10/2020</a:t>
             </a:fld>
             <a:endParaRPr lang="en-US" dirty="0"/>
           </a:p>
@@ -5122,7 +5129,7 @@
           <a:p>
             <a:fld id="{AD794440-721C-4D75-BD4F-4CFB3D51CDCA}" type="datetime1">
               <a:rPr lang="en-US" smtClean="0"/>
-              <a:t>12/6/2020</a:t>
+              <a:t>12/10/2020</a:t>
             </a:fld>
             <a:endParaRPr lang="en-US" dirty="0"/>
           </a:p>
@@ -5743,7 +5750,7 @@
           <a:p>
             <a:fld id="{B2701A64-483B-4532-94FB-D8F90CB6DEE0}" type="datetime1">
               <a:rPr lang="en-US" smtClean="0"/>
-              <a:t>12/6/2020</a:t>
+              <a:t>12/10/2020</a:t>
             </a:fld>
             <a:endParaRPr lang="en-US" dirty="0"/>
           </a:p>
@@ -6335,7 +6342,7 @@
           <a:p>
             <a:fld id="{6F18FB39-20FB-4E2E-B861-45B709B9C3C5}" type="datetime1">
               <a:rPr lang="en-US" smtClean="0"/>
-              <a:t>12/6/2020</a:t>
+              <a:t>12/10/2020</a:t>
             </a:fld>
             <a:endParaRPr lang="en-US" dirty="0"/>
           </a:p>
@@ -7127,7 +7134,7 @@
           <a:p>
             <a:fld id="{AC48AC19-8BD6-476C-9770-8884373BCF00}" type="datetime1">
               <a:rPr lang="en-US" smtClean="0"/>
-              <a:t>12/6/2020</a:t>
+              <a:t>12/10/2020</a:t>
             </a:fld>
             <a:endParaRPr lang="en-US"/>
           </a:p>
@@ -7899,7 +7906,7 @@
           <a:p>
             <a:fld id="{F3F68C53-8AD1-4F09-9486-FB3406B99CFA}" type="datetime1">
               <a:rPr lang="en-US" smtClean="0"/>
-              <a:t>12/6/2020</a:t>
+              <a:t>12/10/2020</a:t>
             </a:fld>
             <a:endParaRPr lang="en-US" dirty="0"/>
           </a:p>
@@ -8210,7 +8217,7 @@
             <a:fld id="{BA543EDD-D0D2-447F-B24F-3717AF4B109D}" type="datetime1">
               <a:rPr lang="en-US" smtClean="0"/>
               <a:pPr/>
-              <a:t>12/6/2020</a:t>
+              <a:t>12/10/2020</a:t>
             </a:fld>
             <a:endParaRPr lang="en-US" dirty="0"/>
           </a:p>
@@ -11759,70 +11766,6 @@
           </a:bodyPr>
           <a:lstStyle/>
           <a:p>
-            <a:r>
-              <a:rPr lang="es-MX" sz="1800" b="0" i="0" dirty="0">
-                <a:solidFill>
-                  <a:srgbClr val="333333"/>
-                </a:solidFill>
-                <a:effectLst/>
-                <a:latin typeface="verdana" panose="020B0604030504040204" pitchFamily="34" charset="0"/>
-              </a:rPr>
-              <a:t>"</a:t>
-            </a:r>
-            <a:r>
-              <a:rPr lang="es-MX" sz="1800" b="0" i="1" dirty="0">
-                <a:solidFill>
-                  <a:srgbClr val="333333"/>
-                </a:solidFill>
-                <a:effectLst/>
-                <a:latin typeface="verdana" panose="020B0604030504040204" pitchFamily="34" charset="0"/>
-              </a:rPr>
-              <a:t>Se deben reunir aquellas cosas que cambian por la misma razón y separar aquellas cosas que cambian por diferentes razones</a:t>
-            </a:r>
-            <a:r>
-              <a:rPr lang="es-MX" sz="1800" b="0" i="0" dirty="0">
-                <a:solidFill>
-                  <a:srgbClr val="333333"/>
-                </a:solidFill>
-                <a:effectLst/>
-                <a:latin typeface="verdana" panose="020B0604030504040204" pitchFamily="34" charset="0"/>
-              </a:rPr>
-              <a:t>". </a:t>
-            </a:r>
-            <a:endParaRPr lang="es-MX" dirty="0">
-              <a:solidFill>
-                <a:srgbClr val="333333"/>
-              </a:solidFill>
-              <a:latin typeface="verdana" panose="020B0604030504040204" pitchFamily="34" charset="0"/>
-            </a:endParaRPr>
-          </a:p>
-          <a:p>
-            <a:r>
-              <a:rPr lang="es-MX" sz="1700" b="0" i="0" dirty="0">
-                <a:solidFill>
-                  <a:srgbClr val="333333"/>
-                </a:solidFill>
-                <a:effectLst/>
-                <a:latin typeface="verdana" panose="020B0604030504040204" pitchFamily="34" charset="0"/>
-              </a:rPr>
-              <a:t>En definitiva, esto indica que un subsistema, módulo, clase o incluso una función, no debe  tener más de una razón para cambiar. Este principio rige también para los microservicios lo que permite enfocar nuestros límites del servicio en los límites de la funcionalidad de negocio y al mantener este servicio centrado en estos límites explícitos evitamos que crezcan más de lo debido.</a:t>
-            </a:r>
-            <a:br>
-              <a:rPr lang="es-MX" sz="1700" dirty="0"/>
-            </a:br>
-            <a:r>
-              <a:rPr lang="es-MX" sz="1700" b="0" i="0" dirty="0">
-                <a:solidFill>
-                  <a:srgbClr val="333333"/>
-                </a:solidFill>
-                <a:effectLst/>
-                <a:latin typeface="verdana" panose="020B0604030504040204" pitchFamily="34" charset="0"/>
-              </a:rPr>
-              <a:t>Por este motivo, se dice que los microservicios son pequeños servicios que están focalizados en hacer una sola cosa bien.</a:t>
-            </a:r>
-            <a:br>
-              <a:rPr lang="es-MX" sz="1700" dirty="0"/>
-            </a:br>
             <a:endParaRPr lang="es-CO" sz="1700" dirty="0"/>
           </a:p>
         </p:txBody>
@@ -11849,8 +11792,8 @@
         </p:blipFill>
         <p:spPr>
           <a:xfrm>
-            <a:off x="5303070" y="4325914"/>
-            <a:ext cx="2469330" cy="1851049"/>
+            <a:off x="3020290" y="1690688"/>
+            <a:ext cx="5832764" cy="4372333"/>
           </a:xfrm>
           <a:prstGeom prst="rect">
             <a:avLst/>
@@ -11861,6 +11804,468 @@
     <p:extLst>
       <p:ext uri="{BB962C8B-B14F-4D97-AF65-F5344CB8AC3E}">
         <p14:creationId xmlns:p14="http://schemas.microsoft.com/office/powerpoint/2010/main" val="3940147791"/>
+      </p:ext>
+    </p:extLst>
+  </p:cSld>
+  <p:clrMapOvr>
+    <a:masterClrMapping/>
+  </p:clrMapOvr>
+</p:sld>
+</file>
+
+<file path=ppt/slides/slide8.xml><?xml version="1.0" encoding="utf-8"?>
+<p:sld xmlns:a="http://schemas.openxmlformats.org/drawingml/2006/main" xmlns:r="http://schemas.openxmlformats.org/officeDocument/2006/relationships" xmlns:p="http://schemas.openxmlformats.org/presentationml/2006/main">
+  <p:cSld>
+    <p:spTree>
+      <p:nvGrpSpPr>
+        <p:cNvPr id="1" name=""/>
+        <p:cNvGrpSpPr/>
+        <p:nvPr/>
+      </p:nvGrpSpPr>
+      <p:grpSpPr>
+        <a:xfrm>
+          <a:off x="0" y="0"/>
+          <a:ext cx="0" cy="0"/>
+          <a:chOff x="0" y="0"/>
+          <a:chExt cx="0" cy="0"/>
+        </a:xfrm>
+      </p:grpSpPr>
+      <p:sp>
+        <p:nvSpPr>
+          <p:cNvPr id="2" name="Título 1">
+            <a:extLst>
+              <a:ext uri="{FF2B5EF4-FFF2-40B4-BE49-F238E27FC236}">
+                <a16:creationId xmlns:a16="http://schemas.microsoft.com/office/drawing/2014/main" id="{C2E1621F-3047-41A5-9815-507EF1E60FFE}"/>
+              </a:ext>
+            </a:extLst>
+          </p:cNvPr>
+          <p:cNvSpPr>
+            <a:spLocks noGrp="1"/>
+          </p:cNvSpPr>
+          <p:nvPr>
+            <p:ph type="title"/>
+          </p:nvPr>
+        </p:nvSpPr>
+        <p:spPr/>
+        <p:txBody>
+          <a:bodyPr/>
+          <a:lstStyle/>
+          <a:p>
+            <a:r>
+              <a:rPr lang="es-CO" dirty="0"/>
+              <a:t>ESCALAR UNA APLICACIÓN MONOLÍTICA</a:t>
+            </a:r>
+          </a:p>
+        </p:txBody>
+      </p:sp>
+      <p:sp>
+        <p:nvSpPr>
+          <p:cNvPr id="3" name="Marcador de texto 2">
+            <a:extLst>
+              <a:ext uri="{FF2B5EF4-FFF2-40B4-BE49-F238E27FC236}">
+                <a16:creationId xmlns:a16="http://schemas.microsoft.com/office/drawing/2014/main" id="{441C26EE-5F12-40F1-AD89-249EAA76A401}"/>
+              </a:ext>
+            </a:extLst>
+          </p:cNvPr>
+          <p:cNvSpPr>
+            <a:spLocks noGrp="1"/>
+          </p:cNvSpPr>
+          <p:nvPr>
+            <p:ph type="body" idx="1"/>
+          </p:nvPr>
+        </p:nvSpPr>
+        <p:spPr/>
+        <p:txBody>
+          <a:bodyPr/>
+          <a:lstStyle/>
+          <a:p>
+            <a:r>
+              <a:rPr lang="es-MX" sz="2400" i="0" u="sng" dirty="0">
+                <a:effectLst/>
+                <a:latin typeface="verdana" panose="020B0604030504040204" pitchFamily="34" charset="0"/>
+              </a:rPr>
+              <a:t>Escalamiento en eje X</a:t>
+            </a:r>
+            <a:endParaRPr lang="es-CO" dirty="0"/>
+          </a:p>
+        </p:txBody>
+      </p:sp>
+      <p:sp>
+        <p:nvSpPr>
+          <p:cNvPr id="4" name="Marcador de contenido 3">
+            <a:extLst>
+              <a:ext uri="{FF2B5EF4-FFF2-40B4-BE49-F238E27FC236}">
+                <a16:creationId xmlns:a16="http://schemas.microsoft.com/office/drawing/2014/main" id="{E2AB064A-114E-4FDD-98C2-09A2631BDF8B}"/>
+              </a:ext>
+            </a:extLst>
+          </p:cNvPr>
+          <p:cNvSpPr>
+            <a:spLocks noGrp="1"/>
+          </p:cNvSpPr>
+          <p:nvPr>
+            <p:ph sz="half" idx="2"/>
+          </p:nvPr>
+        </p:nvSpPr>
+        <p:spPr/>
+        <p:txBody>
+          <a:bodyPr>
+            <a:normAutofit/>
+          </a:bodyPr>
+          <a:lstStyle/>
+          <a:p>
+            <a:r>
+              <a:rPr lang="es-MX" sz="1800" b="0" i="0" dirty="0">
+                <a:effectLst/>
+                <a:latin typeface="verdana" panose="020B0604030504040204" pitchFamily="34" charset="0"/>
+              </a:rPr>
+              <a:t> </a:t>
+            </a:r>
+            <a:r>
+              <a:rPr lang="es-MX" sz="1800" b="0" i="0" dirty="0">
+                <a:effectLst/>
+                <a:latin typeface="Arial" panose="020B0604020202020204" pitchFamily="34" charset="0"/>
+                <a:cs typeface="Arial" panose="020B0604020202020204" pitchFamily="34" charset="0"/>
+              </a:rPr>
+              <a:t>es también conocido como escalamiento horizontal (</a:t>
+            </a:r>
+            <a:r>
+              <a:rPr lang="es-MX" sz="1800" b="0" i="0" dirty="0" err="1">
+                <a:effectLst/>
+                <a:latin typeface="Arial" panose="020B0604020202020204" pitchFamily="34" charset="0"/>
+                <a:cs typeface="Arial" panose="020B0604020202020204" pitchFamily="34" charset="0"/>
+              </a:rPr>
+              <a:t>scale</a:t>
+            </a:r>
+            <a:r>
+              <a:rPr lang="es-MX" sz="1800" b="0" i="0" dirty="0">
+                <a:effectLst/>
+                <a:latin typeface="Arial" panose="020B0604020202020204" pitchFamily="34" charset="0"/>
+                <a:cs typeface="Arial" panose="020B0604020202020204" pitchFamily="34" charset="0"/>
+              </a:rPr>
+              <a:t> </a:t>
+            </a:r>
+            <a:r>
+              <a:rPr lang="es-MX" sz="1800" b="0" i="0" dirty="0" err="1">
+                <a:effectLst/>
+                <a:latin typeface="Arial" panose="020B0604020202020204" pitchFamily="34" charset="0"/>
+                <a:cs typeface="Arial" panose="020B0604020202020204" pitchFamily="34" charset="0"/>
+              </a:rPr>
+              <a:t>out</a:t>
+            </a:r>
+            <a:r>
+              <a:rPr lang="es-MX" sz="1800" b="0" i="0" dirty="0">
+                <a:effectLst/>
+                <a:latin typeface="Arial" panose="020B0604020202020204" pitchFamily="34" charset="0"/>
+                <a:cs typeface="Arial" panose="020B0604020202020204" pitchFamily="34" charset="0"/>
+              </a:rPr>
+              <a:t>) y consiste en ejecutar varias copias de una aplicación detrás de un balanceador de carga. Si hay N copias entonces cada copia se encarga de 1/N de la carga. Este es un método sencillo para escalar una aplicación, de uso general y común en servidores de aplicación o servidores web. Sin embargo, este tipo de escalamiento presenta algunos inconvenientes</a:t>
+            </a:r>
+            <a:endParaRPr lang="es-CO" sz="1800" dirty="0">
+              <a:latin typeface="Arial" panose="020B0604020202020204" pitchFamily="34" charset="0"/>
+              <a:cs typeface="Arial" panose="020B0604020202020204" pitchFamily="34" charset="0"/>
+            </a:endParaRPr>
+          </a:p>
+        </p:txBody>
+      </p:sp>
+      <p:sp>
+        <p:nvSpPr>
+          <p:cNvPr id="5" name="Marcador de texto 4">
+            <a:extLst>
+              <a:ext uri="{FF2B5EF4-FFF2-40B4-BE49-F238E27FC236}">
+                <a16:creationId xmlns:a16="http://schemas.microsoft.com/office/drawing/2014/main" id="{47F055B7-2448-48CE-8E19-5A629BE49814}"/>
+              </a:ext>
+            </a:extLst>
+          </p:cNvPr>
+          <p:cNvSpPr>
+            <a:spLocks noGrp="1"/>
+          </p:cNvSpPr>
+          <p:nvPr>
+            <p:ph type="body" sz="quarter" idx="3"/>
+          </p:nvPr>
+        </p:nvSpPr>
+        <p:spPr/>
+        <p:txBody>
+          <a:bodyPr/>
+          <a:lstStyle/>
+          <a:p>
+            <a:r>
+              <a:rPr lang="es-CO" i="0" u="sng" dirty="0">
+                <a:solidFill>
+                  <a:srgbClr val="333333"/>
+                </a:solidFill>
+                <a:effectLst/>
+                <a:latin typeface="verdana" panose="020B0604030504040204" pitchFamily="34" charset="0"/>
+              </a:rPr>
+              <a:t>Escalamiento en eje Z</a:t>
+            </a:r>
+            <a:endParaRPr lang="es-CO" dirty="0"/>
+          </a:p>
+        </p:txBody>
+      </p:sp>
+      <p:sp>
+        <p:nvSpPr>
+          <p:cNvPr id="6" name="Marcador de contenido 5">
+            <a:extLst>
+              <a:ext uri="{FF2B5EF4-FFF2-40B4-BE49-F238E27FC236}">
+                <a16:creationId xmlns:a16="http://schemas.microsoft.com/office/drawing/2014/main" id="{547DC388-95ED-42DB-9FF5-2FFC7BC12525}"/>
+              </a:ext>
+            </a:extLst>
+          </p:cNvPr>
+          <p:cNvSpPr>
+            <a:spLocks noGrp="1"/>
+          </p:cNvSpPr>
+          <p:nvPr>
+            <p:ph sz="quarter" idx="4"/>
+          </p:nvPr>
+        </p:nvSpPr>
+        <p:spPr/>
+        <p:txBody>
+          <a:bodyPr>
+            <a:normAutofit/>
+          </a:bodyPr>
+          <a:lstStyle/>
+          <a:p>
+            <a:r>
+              <a:rPr lang="es-MX" sz="1800" b="0" i="0" dirty="0">
+                <a:effectLst/>
+                <a:latin typeface="Arial" panose="020B0604020202020204" pitchFamily="34" charset="0"/>
+                <a:cs typeface="Arial" panose="020B0604020202020204" pitchFamily="34" charset="0"/>
+              </a:rPr>
+              <a:t>de manera similar al eje X, cada servidor ejecuta una copia idéntica del código. La gran diferencia es que cada servidor es responsable sólo por un subconjunto de los datos. Algún componente del sistema es responsable de encaminar cada pedido al servidor apropiado. Uno de los criterios de enrutamiento de uso común es un atributo de la solicitud, tal como la clave primaria de la entidad que se quiere acceder.</a:t>
+            </a:r>
+            <a:endParaRPr lang="es-CO" sz="1800" dirty="0">
+              <a:latin typeface="Arial" panose="020B0604020202020204" pitchFamily="34" charset="0"/>
+              <a:cs typeface="Arial" panose="020B0604020202020204" pitchFamily="34" charset="0"/>
+            </a:endParaRPr>
+          </a:p>
+        </p:txBody>
+      </p:sp>
+    </p:spTree>
+    <p:extLst>
+      <p:ext uri="{BB962C8B-B14F-4D97-AF65-F5344CB8AC3E}">
+        <p14:creationId xmlns:p14="http://schemas.microsoft.com/office/powerpoint/2010/main" val="2496380689"/>
+      </p:ext>
+    </p:extLst>
+  </p:cSld>
+  <p:clrMapOvr>
+    <a:masterClrMapping/>
+  </p:clrMapOvr>
+</p:sld>
+</file>
+
+<file path=ppt/slides/slide9.xml><?xml version="1.0" encoding="utf-8"?>
+<p:sld xmlns:a="http://schemas.openxmlformats.org/drawingml/2006/main" xmlns:r="http://schemas.openxmlformats.org/officeDocument/2006/relationships" xmlns:p="http://schemas.openxmlformats.org/presentationml/2006/main">
+  <p:cSld>
+    <p:spTree>
+      <p:nvGrpSpPr>
+        <p:cNvPr id="1" name=""/>
+        <p:cNvGrpSpPr/>
+        <p:nvPr/>
+      </p:nvGrpSpPr>
+      <p:grpSpPr>
+        <a:xfrm>
+          <a:off x="0" y="0"/>
+          <a:ext cx="0" cy="0"/>
+          <a:chOff x="0" y="0"/>
+          <a:chExt cx="0" cy="0"/>
+        </a:xfrm>
+      </p:grpSpPr>
+      <p:sp>
+        <p:nvSpPr>
+          <p:cNvPr id="2" name="Título 1">
+            <a:extLst>
+              <a:ext uri="{FF2B5EF4-FFF2-40B4-BE49-F238E27FC236}">
+                <a16:creationId xmlns:a16="http://schemas.microsoft.com/office/drawing/2014/main" id="{DF1F0828-72BD-4056-8BE5-A85715CC8D15}"/>
+              </a:ext>
+            </a:extLst>
+          </p:cNvPr>
+          <p:cNvSpPr>
+            <a:spLocks noGrp="1"/>
+          </p:cNvSpPr>
+          <p:nvPr>
+            <p:ph type="title"/>
+          </p:nvPr>
+        </p:nvSpPr>
+        <p:spPr/>
+        <p:txBody>
+          <a:bodyPr/>
+          <a:lstStyle/>
+          <a:p>
+            <a:r>
+              <a:rPr lang="es-CO" dirty="0"/>
+              <a:t>ESCALAR UNA APLICACIÓN MONOLÍTICA</a:t>
+            </a:r>
+          </a:p>
+        </p:txBody>
+      </p:sp>
+      <p:sp>
+        <p:nvSpPr>
+          <p:cNvPr id="3" name="Marcador de contenido 2">
+            <a:extLst>
+              <a:ext uri="{FF2B5EF4-FFF2-40B4-BE49-F238E27FC236}">
+                <a16:creationId xmlns:a16="http://schemas.microsoft.com/office/drawing/2014/main" id="{E54AECD5-20A3-4FA3-BADB-94CFDC0262CF}"/>
+              </a:ext>
+            </a:extLst>
+          </p:cNvPr>
+          <p:cNvSpPr>
+            <a:spLocks noGrp="1"/>
+          </p:cNvSpPr>
+          <p:nvPr>
+            <p:ph sz="half" idx="1"/>
+          </p:nvPr>
+        </p:nvSpPr>
+        <p:spPr/>
+        <p:txBody>
+          <a:bodyPr>
+            <a:normAutofit fontScale="62500" lnSpcReduction="20000"/>
+          </a:bodyPr>
+          <a:lstStyle/>
+          <a:p>
+            <a:pPr algn="just"/>
+            <a:r>
+              <a:rPr lang="es-MX" b="0" i="0" dirty="0">
+                <a:effectLst/>
+                <a:latin typeface="Arial" panose="020B0604020202020204" pitchFamily="34" charset="0"/>
+                <a:cs typeface="Arial" panose="020B0604020202020204" pitchFamily="34" charset="0"/>
+              </a:rPr>
+              <a:t>Cada servicio es responsable de una o más funciones estrechamente relacionadas.</a:t>
+            </a:r>
+            <a:br>
+              <a:rPr lang="es-MX" b="0" i="0" dirty="0">
+                <a:effectLst/>
+                <a:latin typeface="Arial" panose="020B0604020202020204" pitchFamily="34" charset="0"/>
+                <a:cs typeface="Arial" panose="020B0604020202020204" pitchFamily="34" charset="0"/>
+              </a:rPr>
+            </a:br>
+            <a:br>
+              <a:rPr lang="es-MX" b="0" i="0" dirty="0">
+                <a:effectLst/>
+                <a:latin typeface="Arial" panose="020B0604020202020204" pitchFamily="34" charset="0"/>
+                <a:cs typeface="Arial" panose="020B0604020202020204" pitchFamily="34" charset="0"/>
+              </a:rPr>
+            </a:br>
+            <a:endParaRPr lang="es-MX" b="0" i="0" dirty="0">
+              <a:effectLst/>
+              <a:latin typeface="Arial" panose="020B0604020202020204" pitchFamily="34" charset="0"/>
+              <a:cs typeface="Arial" panose="020B0604020202020204" pitchFamily="34" charset="0"/>
+            </a:endParaRPr>
+          </a:p>
+          <a:p>
+            <a:pPr algn="just"/>
+            <a:r>
+              <a:rPr lang="es-MX" b="0" i="0" dirty="0">
+                <a:effectLst/>
+                <a:latin typeface="Arial" panose="020B0604020202020204" pitchFamily="34" charset="0"/>
+                <a:cs typeface="Arial" panose="020B0604020202020204" pitchFamily="34" charset="0"/>
+              </a:rPr>
+              <a:t>Hay un par de maneras diferentes de descomponer una aplicación en servicios. Un enfoque consiste en utilizar la descomposición basada en verbos, y definir los servicios que implementan un único caso de uso, como por ej. "</a:t>
+            </a:r>
+            <a:r>
+              <a:rPr lang="es-MX" b="0" i="1" dirty="0" err="1">
+                <a:effectLst/>
+                <a:latin typeface="Arial" panose="020B0604020202020204" pitchFamily="34" charset="0"/>
+                <a:cs typeface="Arial" panose="020B0604020202020204" pitchFamily="34" charset="0"/>
+              </a:rPr>
+              <a:t>login</a:t>
+            </a:r>
+            <a:r>
+              <a:rPr lang="es-MX" b="0" i="0" dirty="0">
+                <a:effectLst/>
+                <a:latin typeface="Arial" panose="020B0604020202020204" pitchFamily="34" charset="0"/>
+                <a:cs typeface="Arial" panose="020B0604020202020204" pitchFamily="34" charset="0"/>
+              </a:rPr>
+              <a:t>" o "</a:t>
+            </a:r>
+            <a:r>
+              <a:rPr lang="es-MX" b="0" i="1" u="sng" dirty="0">
+                <a:effectLst/>
+                <a:latin typeface="Arial" panose="020B0604020202020204" pitchFamily="34" charset="0"/>
+                <a:cs typeface="Arial" panose="020B0604020202020204" pitchFamily="34" charset="0"/>
+              </a:rPr>
+              <a:t>buscar</a:t>
+            </a:r>
+            <a:r>
+              <a:rPr lang="es-MX" b="0" i="0" dirty="0">
+                <a:effectLst/>
+                <a:latin typeface="Arial" panose="020B0604020202020204" pitchFamily="34" charset="0"/>
+                <a:cs typeface="Arial" panose="020B0604020202020204" pitchFamily="34" charset="0"/>
+              </a:rPr>
+              <a:t>". La otra opción es descomponer la aplicación por sustantivos, y crear servicios responsables por todas las operaciones relacionadas con una entidad particular, como por ej. "</a:t>
+            </a:r>
+            <a:r>
+              <a:rPr lang="es-MX" b="0" i="1" u="sng" dirty="0">
+                <a:effectLst/>
+                <a:latin typeface="Arial" panose="020B0604020202020204" pitchFamily="34" charset="0"/>
+                <a:cs typeface="Arial" panose="020B0604020202020204" pitchFamily="34" charset="0"/>
+              </a:rPr>
+              <a:t>clientes</a:t>
+            </a:r>
+            <a:r>
+              <a:rPr lang="es-MX" b="0" i="0" dirty="0">
+                <a:effectLst/>
+                <a:latin typeface="Arial" panose="020B0604020202020204" pitchFamily="34" charset="0"/>
+                <a:cs typeface="Arial" panose="020B0604020202020204" pitchFamily="34" charset="0"/>
+              </a:rPr>
+              <a:t>" u "'</a:t>
+            </a:r>
+            <a:r>
+              <a:rPr lang="es-MX" b="0" i="1" u="sng" dirty="0">
+                <a:effectLst/>
+                <a:latin typeface="Arial" panose="020B0604020202020204" pitchFamily="34" charset="0"/>
+                <a:cs typeface="Arial" panose="020B0604020202020204" pitchFamily="34" charset="0"/>
+              </a:rPr>
+              <a:t>ordenes</a:t>
+            </a:r>
+            <a:r>
+              <a:rPr lang="es-MX" b="0" i="0" dirty="0">
+                <a:effectLst/>
+                <a:latin typeface="Arial" panose="020B0604020202020204" pitchFamily="34" charset="0"/>
+                <a:cs typeface="Arial" panose="020B0604020202020204" pitchFamily="34" charset="0"/>
+              </a:rPr>
+              <a:t>".</a:t>
+            </a:r>
+          </a:p>
+          <a:p>
+            <a:endParaRPr lang="es-CO" dirty="0"/>
+          </a:p>
+        </p:txBody>
+      </p:sp>
+      <p:pic>
+        <p:nvPicPr>
+          <p:cNvPr id="5" name="Marcador de contenido 4">
+            <a:extLst>
+              <a:ext uri="{FF2B5EF4-FFF2-40B4-BE49-F238E27FC236}">
+                <a16:creationId xmlns:a16="http://schemas.microsoft.com/office/drawing/2014/main" id="{3EC9E05E-DD2A-4F3A-8364-B76E3ABA700A}"/>
+              </a:ext>
+            </a:extLst>
+          </p:cNvPr>
+          <p:cNvPicPr>
+            <a:picLocks noGrp="1" noChangeAspect="1"/>
+          </p:cNvPicPr>
+          <p:nvPr>
+            <p:ph sz="half" idx="2"/>
+          </p:nvPr>
+        </p:nvPicPr>
+        <p:blipFill>
+          <a:blip r:embed="rId2"/>
+          <a:stretch>
+            <a:fillRect/>
+          </a:stretch>
+        </p:blipFill>
+        <p:spPr>
+          <a:xfrm>
+            <a:off x="6172200" y="2058194"/>
+            <a:ext cx="5181600" cy="3886200"/>
+          </a:xfrm>
+          <a:prstGeom prst="rect">
+            <a:avLst/>
+          </a:prstGeom>
+        </p:spPr>
+      </p:pic>
+    </p:spTree>
+    <p:extLst>
+      <p:ext uri="{BB962C8B-B14F-4D97-AF65-F5344CB8AC3E}">
+        <p14:creationId xmlns:p14="http://schemas.microsoft.com/office/powerpoint/2010/main" val="2197758240"/>
       </p:ext>
     </p:extLst>
   </p:cSld>
